--- a/Eleanor · SlidesCarnival.pptx
+++ b/Eleanor · SlidesCarnival.pptx
@@ -5,7 +5,7 @@
     <p:sldMasterId id="2147483658" r:id="rId1"/>
   </p:sldMasterIdLst>
   <p:notesMasterIdLst>
-    <p:notesMasterId r:id="rId8"/>
+    <p:notesMasterId r:id="rId10"/>
   </p:notesMasterIdLst>
   <p:sldIdLst>
     <p:sldId id="256" r:id="rId2"/>
@@ -14,14 +14,16 @@
     <p:sldId id="260" r:id="rId5"/>
     <p:sldId id="265" r:id="rId6"/>
     <p:sldId id="261" r:id="rId7"/>
+    <p:sldId id="266" r:id="rId8"/>
+    <p:sldId id="267" r:id="rId9"/>
   </p:sldIdLst>
   <p:sldSz cx="9144000" cy="5143500" type="screen16x9"/>
   <p:notesSz cx="6858000" cy="9144000"/>
   <p:embeddedFontLst>
     <p:embeddedFont>
       <p:font typeface="Quicksand" pitchFamily="2" charset="77"/>
-      <p:regular r:id="rId9"/>
-      <p:bold r:id="rId10"/>
+      <p:regular r:id="rId11"/>
+      <p:bold r:id="rId12"/>
     </p:embeddedFont>
   </p:embeddedFontLst>
   <p:defaultTextStyle>
@@ -1314,6 +1316,224 @@
         </p:txBody>
       </p:sp>
     </p:spTree>
+  </p:cSld>
+  <p:clrMapOvr>
+    <a:masterClrMapping/>
+  </p:clrMapOvr>
+</p:notes>
+</file>
+
+<file path=ppt/notesSlides/notesSlide7.xml><?xml version="1.0" encoding="utf-8"?>
+<p:notes xmlns:a="http://schemas.openxmlformats.org/drawingml/2006/main" xmlns:r="http://schemas.openxmlformats.org/officeDocument/2006/relationships" xmlns:p="http://schemas.openxmlformats.org/presentationml/2006/main" showMasterSp="0" showMasterPhAnim="0">
+  <p:cSld>
+    <p:spTree>
+      <p:nvGrpSpPr>
+        <p:cNvPr id="1" name="Shape 104"/>
+        <p:cNvGrpSpPr/>
+        <p:nvPr/>
+      </p:nvGrpSpPr>
+      <p:grpSpPr>
+        <a:xfrm>
+          <a:off x="0" y="0"/>
+          <a:ext cx="0" cy="0"/>
+          <a:chOff x="0" y="0"/>
+          <a:chExt cx="0" cy="0"/>
+        </a:xfrm>
+      </p:grpSpPr>
+      <p:sp>
+        <p:nvSpPr>
+          <p:cNvPr id="105" name="Google Shape;105;p:notes"/>
+          <p:cNvSpPr>
+            <a:spLocks noGrp="1" noRot="1" noChangeAspect="1"/>
+          </p:cNvSpPr>
+          <p:nvPr>
+            <p:ph type="sldImg" idx="2"/>
+          </p:nvPr>
+        </p:nvSpPr>
+        <p:spPr>
+          <a:xfrm>
+            <a:off x="381000" y="685800"/>
+            <a:ext cx="6096000" cy="3429000"/>
+          </a:xfrm>
+          <a:custGeom>
+            <a:avLst/>
+            <a:gdLst/>
+            <a:ahLst/>
+            <a:cxnLst/>
+            <a:rect l="l" t="t" r="r" b="b"/>
+            <a:pathLst>
+              <a:path w="120000" h="120000" extrusionOk="0">
+                <a:moveTo>
+                  <a:pt x="0" y="0"/>
+                </a:moveTo>
+                <a:lnTo>
+                  <a:pt x="120000" y="0"/>
+                </a:lnTo>
+                <a:lnTo>
+                  <a:pt x="120000" y="120000"/>
+                </a:lnTo>
+                <a:lnTo>
+                  <a:pt x="0" y="120000"/>
+                </a:lnTo>
+                <a:close/>
+              </a:path>
+            </a:pathLst>
+          </a:custGeom>
+        </p:spPr>
+      </p:sp>
+      <p:sp>
+        <p:nvSpPr>
+          <p:cNvPr id="106" name="Google Shape;106;p:notes"/>
+          <p:cNvSpPr txBox="1">
+            <a:spLocks noGrp="1"/>
+          </p:cNvSpPr>
+          <p:nvPr>
+            <p:ph type="body" idx="1"/>
+          </p:nvPr>
+        </p:nvSpPr>
+        <p:spPr>
+          <a:xfrm>
+            <a:off x="685800" y="4343400"/>
+            <a:ext cx="5486400" cy="4114800"/>
+          </a:xfrm>
+          <a:prstGeom prst="rect">
+            <a:avLst/>
+          </a:prstGeom>
+        </p:spPr>
+        <p:txBody>
+          <a:bodyPr spcFirstLastPara="1" wrap="square" lIns="91425" tIns="91425" rIns="91425" bIns="91425" anchor="t" anchorCtr="0">
+            <a:noAutofit/>
+          </a:bodyPr>
+          <a:lstStyle/>
+          <a:p>
+            <a:pPr marL="0" lvl="0" indent="0" algn="l" rtl="0">
+              <a:spcBef>
+                <a:spcPts val="0"/>
+              </a:spcBef>
+              <a:spcAft>
+                <a:spcPts val="0"/>
+              </a:spcAft>
+              <a:buNone/>
+            </a:pPr>
+            <a:endParaRPr/>
+          </a:p>
+        </p:txBody>
+      </p:sp>
+    </p:spTree>
+    <p:extLst>
+      <p:ext uri="{BB962C8B-B14F-4D97-AF65-F5344CB8AC3E}">
+        <p14:creationId xmlns:p14="http://schemas.microsoft.com/office/powerpoint/2010/main" val="2948886685"/>
+      </p:ext>
+    </p:extLst>
+  </p:cSld>
+  <p:clrMapOvr>
+    <a:masterClrMapping/>
+  </p:clrMapOvr>
+</p:notes>
+</file>
+
+<file path=ppt/notesSlides/notesSlide8.xml><?xml version="1.0" encoding="utf-8"?>
+<p:notes xmlns:a="http://schemas.openxmlformats.org/drawingml/2006/main" xmlns:r="http://schemas.openxmlformats.org/officeDocument/2006/relationships" xmlns:p="http://schemas.openxmlformats.org/presentationml/2006/main" showMasterSp="0" showMasterPhAnim="0">
+  <p:cSld>
+    <p:spTree>
+      <p:nvGrpSpPr>
+        <p:cNvPr id="1" name="Shape 90"/>
+        <p:cNvGrpSpPr/>
+        <p:nvPr/>
+      </p:nvGrpSpPr>
+      <p:grpSpPr>
+        <a:xfrm>
+          <a:off x="0" y="0"/>
+          <a:ext cx="0" cy="0"/>
+          <a:chOff x="0" y="0"/>
+          <a:chExt cx="0" cy="0"/>
+        </a:xfrm>
+      </p:grpSpPr>
+      <p:sp>
+        <p:nvSpPr>
+          <p:cNvPr id="91" name="Google Shape;91;g35f391192_029:notes"/>
+          <p:cNvSpPr>
+            <a:spLocks noGrp="1" noRot="1" noChangeAspect="1"/>
+          </p:cNvSpPr>
+          <p:nvPr>
+            <p:ph type="sldImg" idx="2"/>
+          </p:nvPr>
+        </p:nvSpPr>
+        <p:spPr>
+          <a:xfrm>
+            <a:off x="381000" y="685800"/>
+            <a:ext cx="6096000" cy="3429000"/>
+          </a:xfrm>
+          <a:custGeom>
+            <a:avLst/>
+            <a:gdLst/>
+            <a:ahLst/>
+            <a:cxnLst/>
+            <a:rect l="l" t="t" r="r" b="b"/>
+            <a:pathLst>
+              <a:path w="120000" h="120000" extrusionOk="0">
+                <a:moveTo>
+                  <a:pt x="0" y="0"/>
+                </a:moveTo>
+                <a:lnTo>
+                  <a:pt x="120000" y="0"/>
+                </a:lnTo>
+                <a:lnTo>
+                  <a:pt x="120000" y="120000"/>
+                </a:lnTo>
+                <a:lnTo>
+                  <a:pt x="0" y="120000"/>
+                </a:lnTo>
+                <a:close/>
+              </a:path>
+            </a:pathLst>
+          </a:custGeom>
+        </p:spPr>
+      </p:sp>
+      <p:sp>
+        <p:nvSpPr>
+          <p:cNvPr id="92" name="Google Shape;92;g35f391192_029:notes"/>
+          <p:cNvSpPr txBox="1">
+            <a:spLocks noGrp="1"/>
+          </p:cNvSpPr>
+          <p:nvPr>
+            <p:ph type="body" idx="1"/>
+          </p:nvPr>
+        </p:nvSpPr>
+        <p:spPr>
+          <a:xfrm>
+            <a:off x="685800" y="4343400"/>
+            <a:ext cx="5486400" cy="4114800"/>
+          </a:xfrm>
+          <a:prstGeom prst="rect">
+            <a:avLst/>
+          </a:prstGeom>
+        </p:spPr>
+        <p:txBody>
+          <a:bodyPr spcFirstLastPara="1" wrap="square" lIns="91425" tIns="91425" rIns="91425" bIns="91425" anchor="t" anchorCtr="0">
+            <a:noAutofit/>
+          </a:bodyPr>
+          <a:lstStyle/>
+          <a:p>
+            <a:pPr marL="0" lvl="0" indent="0" algn="l" rtl="0">
+              <a:spcBef>
+                <a:spcPts val="0"/>
+              </a:spcBef>
+              <a:spcAft>
+                <a:spcPts val="0"/>
+              </a:spcAft>
+              <a:buNone/>
+            </a:pPr>
+            <a:endParaRPr/>
+          </a:p>
+        </p:txBody>
+      </p:sp>
+    </p:spTree>
+    <p:extLst>
+      <p:ext uri="{BB962C8B-B14F-4D97-AF65-F5344CB8AC3E}">
+        <p14:creationId xmlns:p14="http://schemas.microsoft.com/office/powerpoint/2010/main" val="3327798353"/>
+      </p:ext>
+    </p:extLst>
   </p:cSld>
   <p:clrMapOvr>
     <a:masterClrMapping/>
@@ -5111,6 +5331,9 @@
             </a:pPr>
             <a:r>
               <a:rPr lang="en-US" sz="2800" b="1" dirty="0">
+                <a:solidFill>
+                  <a:schemeClr val="bg1"/>
+                </a:solidFill>
                 <a:latin typeface="Times New Roman" panose="02020603050405020304" pitchFamily="18" charset="0"/>
                 <a:cs typeface="Times New Roman" panose="02020603050405020304" pitchFamily="18" charset="0"/>
               </a:rPr>
@@ -5118,12 +5341,18 @@
             </a:r>
             <a:br>
               <a:rPr lang="en-US" dirty="0">
+                <a:solidFill>
+                  <a:schemeClr val="bg1"/>
+                </a:solidFill>
                 <a:latin typeface="Times New Roman" panose="02020603050405020304" pitchFamily="18" charset="0"/>
                 <a:cs typeface="Times New Roman" panose="02020603050405020304" pitchFamily="18" charset="0"/>
               </a:rPr>
             </a:br>
             <a:r>
               <a:rPr lang="en-US" sz="2400" dirty="0">
+                <a:solidFill>
+                  <a:schemeClr val="bg1"/>
+                </a:solidFill>
                 <a:latin typeface="Times New Roman" panose="02020603050405020304" pitchFamily="18" charset="0"/>
                 <a:cs typeface="Times New Roman" panose="02020603050405020304" pitchFamily="18" charset="0"/>
               </a:rPr>
@@ -5131,25 +5360,57 @@
             </a:r>
             <a:br>
               <a:rPr lang="en-US" dirty="0">
+                <a:solidFill>
+                  <a:schemeClr val="bg1"/>
+                </a:solidFill>
                 <a:latin typeface="Times New Roman" panose="02020603050405020304" pitchFamily="18" charset="0"/>
                 <a:cs typeface="Times New Roman" panose="02020603050405020304" pitchFamily="18" charset="0"/>
               </a:rPr>
             </a:br>
             <a:r>
               <a:rPr lang="en-US" sz="2400" dirty="0">
+                <a:solidFill>
+                  <a:schemeClr val="bg1"/>
+                </a:solidFill>
                 <a:latin typeface="Times New Roman" panose="02020603050405020304" pitchFamily="18" charset="0"/>
                 <a:cs typeface="Times New Roman" panose="02020603050405020304" pitchFamily="18" charset="0"/>
               </a:rPr>
-              <a:t>Islamic Azad University – Central Branch </a:t>
+              <a:t>Islamic Azad </a:t>
+            </a:r>
+            <a:r>
+              <a:rPr lang="en-US" sz="2400">
+                <a:solidFill>
+                  <a:schemeClr val="bg1"/>
+                </a:solidFill>
+                <a:latin typeface="Times New Roman" panose="02020603050405020304" pitchFamily="18" charset="0"/>
+                <a:cs typeface="Times New Roman" panose="02020603050405020304" pitchFamily="18" charset="0"/>
+              </a:rPr>
+              <a:t>University–Central </a:t>
+            </a:r>
+            <a:r>
+              <a:rPr lang="en-US" sz="2400" dirty="0">
+                <a:solidFill>
+                  <a:schemeClr val="bg1"/>
+                </a:solidFill>
+                <a:latin typeface="Times New Roman" panose="02020603050405020304" pitchFamily="18" charset="0"/>
+                <a:cs typeface="Times New Roman" panose="02020603050405020304" pitchFamily="18" charset="0"/>
+              </a:rPr>
+              <a:t>Branch </a:t>
             </a:r>
             <a:br>
               <a:rPr lang="en-US" dirty="0">
+                <a:solidFill>
+                  <a:schemeClr val="bg1"/>
+                </a:solidFill>
                 <a:latin typeface="Times New Roman" panose="02020603050405020304" pitchFamily="18" charset="0"/>
                 <a:cs typeface="Times New Roman" panose="02020603050405020304" pitchFamily="18" charset="0"/>
               </a:rPr>
             </a:br>
             <a:r>
               <a:rPr lang="en-US" sz="2400" dirty="0">
+                <a:solidFill>
+                  <a:schemeClr val="bg1"/>
+                </a:solidFill>
                 <a:latin typeface="Times New Roman" panose="02020603050405020304" pitchFamily="18" charset="0"/>
                 <a:cs typeface="Times New Roman" panose="02020603050405020304" pitchFamily="18" charset="0"/>
               </a:rPr>
@@ -5157,18 +5418,27 @@
             </a:r>
             <a:br>
               <a:rPr lang="en-US" dirty="0">
+                <a:solidFill>
+                  <a:schemeClr val="bg1"/>
+                </a:solidFill>
                 <a:latin typeface="Times New Roman" panose="02020603050405020304" pitchFamily="18" charset="0"/>
                 <a:cs typeface="Times New Roman" panose="02020603050405020304" pitchFamily="18" charset="0"/>
               </a:rPr>
             </a:br>
             <a:r>
               <a:rPr lang="en-US" sz="1200" dirty="0">
+                <a:solidFill>
+                  <a:schemeClr val="bg1"/>
+                </a:solidFill>
                 <a:latin typeface="Times New Roman" panose="02020603050405020304" pitchFamily="18" charset="0"/>
                 <a:cs typeface="Times New Roman" panose="02020603050405020304" pitchFamily="18" charset="0"/>
               </a:rPr>
               <a:t>May-2021</a:t>
             </a:r>
             <a:endParaRPr sz="1200" dirty="0">
+              <a:solidFill>
+                <a:schemeClr val="bg1"/>
+              </a:solidFill>
               <a:latin typeface="Times New Roman" panose="02020603050405020304" pitchFamily="18" charset="0"/>
               <a:cs typeface="Times New Roman" panose="02020603050405020304" pitchFamily="18" charset="0"/>
             </a:endParaRPr>
@@ -6561,6 +6831,24 @@
             <a:pPr marL="0" lvl="0" indent="0">
               <a:buNone/>
             </a:pPr>
+            <a:r>
+              <a:rPr lang="en-US" sz="1400" dirty="0"/>
+              <a:t>important characteristic: </a:t>
+            </a:r>
+          </a:p>
+          <a:p>
+            <a:pPr marL="285750" indent="-285750"/>
+            <a:r>
+              <a:rPr lang="en-US" sz="1400" dirty="0"/>
+              <a:t>definition of where they should be included</a:t>
+            </a:r>
+          </a:p>
+          <a:p>
+            <a:pPr marL="285750" indent="-285750"/>
+            <a:r>
+              <a:rPr lang="en-US" sz="1400" dirty="0"/>
+              <a:t> implementing the cross-cutting concern</a:t>
+            </a:r>
             <a:endParaRPr lang="en-US" sz="1400" b="1" dirty="0">
               <a:solidFill>
                 <a:srgbClr val="37C0BA"/>
@@ -6571,13 +6859,101 @@
             <a:pPr marL="0" lvl="0" indent="0">
               <a:buNone/>
             </a:pPr>
-            <a:endParaRPr lang="en-US" sz="1400" b="1" dirty="0"/>
+            <a:endParaRPr lang="en-US" sz="1400" b="1" dirty="0">
+              <a:solidFill>
+                <a:srgbClr val="37C0BA"/>
+              </a:solidFill>
+            </a:endParaRPr>
           </a:p>
           <a:p>
             <a:pPr marL="0" lvl="0" indent="0">
               <a:buNone/>
             </a:pPr>
-            <a:endParaRPr sz="1400" b="1" dirty="0"/>
+            <a:r>
+              <a:rPr lang="en-US" sz="1400" dirty="0"/>
+              <a:t>approaches to software modularization: </a:t>
+            </a:r>
+          </a:p>
+          <a:p>
+            <a:pPr marL="285750" indent="-285750"/>
+            <a:r>
+              <a:rPr lang="en-US" sz="1200" dirty="0"/>
+              <a:t>Subject Oriented Programming</a:t>
+            </a:r>
+          </a:p>
+          <a:p>
+            <a:pPr marL="285750" indent="-285750"/>
+            <a:r>
+              <a:rPr lang="en-US" sz="1200" dirty="0"/>
+              <a:t>Feature Oriented Programming </a:t>
+            </a:r>
+          </a:p>
+          <a:p>
+            <a:pPr marL="285750" indent="-285750"/>
+            <a:r>
+              <a:rPr lang="en-US" sz="1200" dirty="0"/>
+              <a:t>Adaptive Programming </a:t>
+            </a:r>
+          </a:p>
+          <a:p>
+            <a:pPr marL="285750" indent="-285750"/>
+            <a:endParaRPr lang="en-US" sz="1200" dirty="0"/>
+          </a:p>
+          <a:p>
+            <a:pPr marL="0" indent="0">
+              <a:buNone/>
+            </a:pPr>
+            <a:r>
+              <a:rPr lang="en-US" sz="1200" dirty="0">
+                <a:solidFill>
+                  <a:srgbClr val="37C0BA"/>
+                </a:solidFill>
+              </a:rPr>
+              <a:t>Gregor </a:t>
+            </a:r>
+            <a:r>
+              <a:rPr lang="en-US" sz="1200" dirty="0" err="1">
+                <a:solidFill>
+                  <a:srgbClr val="37C0BA"/>
+                </a:solidFill>
+              </a:rPr>
+              <a:t>Kiczales</a:t>
+            </a:r>
+            <a:r>
+              <a:rPr lang="en-US" sz="1200" dirty="0">
+                <a:solidFill>
+                  <a:srgbClr val="37C0BA"/>
+                </a:solidFill>
+              </a:rPr>
+              <a:t> </a:t>
+            </a:r>
+            <a:r>
+              <a:rPr lang="en-US" sz="1200" dirty="0"/>
+              <a:t>and </a:t>
+            </a:r>
+            <a:r>
+              <a:rPr lang="en-US" sz="1200" dirty="0">
+                <a:solidFill>
+                  <a:srgbClr val="37C0BA"/>
+                </a:solidFill>
+              </a:rPr>
+              <a:t>Palo Alto Research Center</a:t>
+            </a:r>
+            <a:r>
+              <a:rPr lang="en-US" sz="1200" dirty="0"/>
+              <a:t> later developed AspectJ framework which main concern is </a:t>
+            </a:r>
+            <a:r>
+              <a:rPr lang="en-US" sz="1200" dirty="0" err="1"/>
+              <a:t>aop</a:t>
+            </a:r>
+            <a:endParaRPr lang="en-US" sz="1200" dirty="0"/>
+          </a:p>
+          <a:p>
+            <a:pPr marL="0" indent="0">
+              <a:buNone/>
+            </a:pPr>
+            <a:endParaRPr lang="en-US" dirty="0"/>
           </a:p>
         </p:txBody>
       </p:sp>
@@ -6624,6 +7000,364 @@
         </p:txBody>
       </p:sp>
     </p:spTree>
+  </p:cSld>
+  <p:clrMapOvr>
+    <a:masterClrMapping/>
+  </p:clrMapOvr>
+</p:sld>
+</file>
+
+<file path=ppt/slides/slide7.xml><?xml version="1.0" encoding="utf-8"?>
+<p:sld xmlns:a="http://schemas.openxmlformats.org/drawingml/2006/main" xmlns:r="http://schemas.openxmlformats.org/officeDocument/2006/relationships" xmlns:p="http://schemas.openxmlformats.org/presentationml/2006/main">
+  <p:cSld>
+    <p:spTree>
+      <p:nvGrpSpPr>
+        <p:cNvPr id="1" name="Shape 107"/>
+        <p:cNvGrpSpPr/>
+        <p:nvPr/>
+      </p:nvGrpSpPr>
+      <p:grpSpPr>
+        <a:xfrm>
+          <a:off x="0" y="0"/>
+          <a:ext cx="0" cy="0"/>
+          <a:chOff x="0" y="0"/>
+          <a:chExt cx="0" cy="0"/>
+        </a:xfrm>
+      </p:grpSpPr>
+      <p:sp>
+        <p:nvSpPr>
+          <p:cNvPr id="108" name="Google Shape;108;p17"/>
+          <p:cNvSpPr txBox="1">
+            <a:spLocks noGrp="1"/>
+          </p:cNvSpPr>
+          <p:nvPr>
+            <p:ph type="title"/>
+          </p:nvPr>
+        </p:nvSpPr>
+        <p:spPr>
+          <a:xfrm>
+            <a:off x="1165475" y="549649"/>
+            <a:ext cx="7357682" cy="345000"/>
+          </a:xfrm>
+          <a:prstGeom prst="rect">
+            <a:avLst/>
+          </a:prstGeom>
+        </p:spPr>
+        <p:txBody>
+          <a:bodyPr spcFirstLastPara="1" wrap="square" lIns="91425" tIns="91425" rIns="91425" bIns="91425" anchor="b" anchorCtr="0">
+            <a:noAutofit/>
+          </a:bodyPr>
+          <a:lstStyle/>
+          <a:p>
+            <a:pPr marL="0" lvl="0" indent="0" algn="ctr" rtl="0">
+              <a:spcBef>
+                <a:spcPts val="0"/>
+              </a:spcBef>
+              <a:spcAft>
+                <a:spcPts val="0"/>
+              </a:spcAft>
+              <a:buNone/>
+            </a:pPr>
+            <a:r>
+              <a:rPr lang="en" dirty="0">
+                <a:solidFill>
+                  <a:srgbClr val="39C0BA"/>
+                </a:solidFill>
+              </a:rPr>
+              <a:t>Cross Cutting Problems</a:t>
+            </a:r>
+            <a:endParaRPr dirty="0">
+              <a:solidFill>
+                <a:srgbClr val="39C0BA"/>
+              </a:solidFill>
+            </a:endParaRPr>
+          </a:p>
+        </p:txBody>
+      </p:sp>
+      <p:sp>
+        <p:nvSpPr>
+          <p:cNvPr id="109" name="Google Shape;109;p17"/>
+          <p:cNvSpPr txBox="1">
+            <a:spLocks noGrp="1"/>
+          </p:cNvSpPr>
+          <p:nvPr>
+            <p:ph type="body" idx="1"/>
+          </p:nvPr>
+        </p:nvSpPr>
+        <p:spPr>
+          <a:xfrm>
+            <a:off x="1165497" y="1158072"/>
+            <a:ext cx="7716035" cy="3725700"/>
+          </a:xfrm>
+          <a:prstGeom prst="rect">
+            <a:avLst/>
+          </a:prstGeom>
+        </p:spPr>
+        <p:txBody>
+          <a:bodyPr spcFirstLastPara="1" wrap="square" lIns="91425" tIns="91425" rIns="91425" bIns="91425" anchor="t" anchorCtr="0">
+            <a:noAutofit/>
+          </a:bodyPr>
+          <a:lstStyle/>
+          <a:p>
+            <a:pPr marL="38100" indent="0" algn="ctr">
+              <a:buNone/>
+            </a:pPr>
+            <a:endParaRPr lang="en-US" sz="1400" dirty="0"/>
+          </a:p>
+          <a:p>
+            <a:pPr marL="38100" indent="0" algn="ctr">
+              <a:buNone/>
+            </a:pPr>
+            <a:endParaRPr lang="en-US" sz="1400" dirty="0"/>
+          </a:p>
+          <a:p>
+            <a:pPr marL="38100" indent="0" algn="ctr">
+              <a:buNone/>
+            </a:pPr>
+            <a:r>
+              <a:rPr lang="en-US" sz="1400" dirty="0"/>
+              <a:t>By representing cross-cutting concerns as aspects, these concerns can be understood, reused, and modified independently, without regard for where the code is used.</a:t>
+            </a:r>
+          </a:p>
+          <a:p>
+            <a:pPr marL="38100" indent="0" algn="ctr">
+              <a:buNone/>
+            </a:pPr>
+            <a:endParaRPr lang="en-US" sz="1400" dirty="0"/>
+          </a:p>
+          <a:p>
+            <a:pPr marL="38100" indent="0" algn="ctr">
+              <a:buNone/>
+            </a:pPr>
+            <a:r>
+              <a:rPr lang="en-US" sz="1400" dirty="0"/>
+              <a:t>OR</a:t>
+            </a:r>
+          </a:p>
+          <a:p>
+            <a:pPr marL="38100" indent="0" algn="ctr">
+              <a:buNone/>
+            </a:pPr>
+            <a:endParaRPr lang="en-US" sz="1400" dirty="0"/>
+          </a:p>
+          <a:p>
+            <a:pPr marL="38100" indent="0" algn="ctr">
+              <a:buNone/>
+            </a:pPr>
+            <a:r>
+              <a:rPr lang="en-US" sz="1400" dirty="0"/>
+              <a:t>are aspects of the program that affects other concerns </a:t>
+            </a:r>
+          </a:p>
+          <a:p>
+            <a:pPr marL="38100" indent="0" algn="ctr">
+              <a:buNone/>
+            </a:pPr>
+            <a:endParaRPr lang="en-US" sz="1400" dirty="0"/>
+          </a:p>
+        </p:txBody>
+      </p:sp>
+      <p:sp>
+        <p:nvSpPr>
+          <p:cNvPr id="110" name="Google Shape;110;p17"/>
+          <p:cNvSpPr txBox="1">
+            <a:spLocks noGrp="1"/>
+          </p:cNvSpPr>
+          <p:nvPr>
+            <p:ph type="sldNum" idx="12"/>
+          </p:nvPr>
+        </p:nvSpPr>
+        <p:spPr>
+          <a:xfrm>
+            <a:off x="8523157" y="4752131"/>
+            <a:ext cx="548700" cy="315300"/>
+          </a:xfrm>
+          <a:prstGeom prst="rect">
+            <a:avLst/>
+          </a:prstGeom>
+        </p:spPr>
+        <p:txBody>
+          <a:bodyPr spcFirstLastPara="1" wrap="square" lIns="91425" tIns="91425" rIns="91425" bIns="91425" anchor="t" anchorCtr="0">
+            <a:noAutofit/>
+          </a:bodyPr>
+          <a:lstStyle/>
+          <a:p>
+            <a:pPr marL="0" lvl="0" indent="0" algn="r" rtl="0">
+              <a:spcBef>
+                <a:spcPts val="0"/>
+              </a:spcBef>
+              <a:spcAft>
+                <a:spcPts val="0"/>
+              </a:spcAft>
+              <a:buNone/>
+            </a:pPr>
+            <a:fld id="{00000000-1234-1234-1234-123412341234}" type="slidenum">
+              <a:rPr lang="en"/>
+              <a:t>7</a:t>
+            </a:fld>
+            <a:endParaRPr/>
+          </a:p>
+        </p:txBody>
+      </p:sp>
+    </p:spTree>
+    <p:extLst>
+      <p:ext uri="{BB962C8B-B14F-4D97-AF65-F5344CB8AC3E}">
+        <p14:creationId xmlns:p14="http://schemas.microsoft.com/office/powerpoint/2010/main" val="2940795288"/>
+      </p:ext>
+    </p:extLst>
+  </p:cSld>
+  <p:clrMapOvr>
+    <a:masterClrMapping/>
+  </p:clrMapOvr>
+</p:sld>
+</file>
+
+<file path=ppt/slides/slide8.xml><?xml version="1.0" encoding="utf-8"?>
+<p:sld xmlns:a="http://schemas.openxmlformats.org/drawingml/2006/main" xmlns:r="http://schemas.openxmlformats.org/officeDocument/2006/relationships" xmlns:p="http://schemas.openxmlformats.org/presentationml/2006/main">
+  <p:cSld>
+    <p:spTree>
+      <p:nvGrpSpPr>
+        <p:cNvPr id="1" name="Shape 93"/>
+        <p:cNvGrpSpPr/>
+        <p:nvPr/>
+      </p:nvGrpSpPr>
+      <p:grpSpPr>
+        <a:xfrm>
+          <a:off x="0" y="0"/>
+          <a:ext cx="0" cy="0"/>
+          <a:chOff x="0" y="0"/>
+          <a:chExt cx="0" cy="0"/>
+        </a:xfrm>
+      </p:grpSpPr>
+      <p:sp>
+        <p:nvSpPr>
+          <p:cNvPr id="94" name="Google Shape;94;p15"/>
+          <p:cNvSpPr txBox="1">
+            <a:spLocks noGrp="1"/>
+          </p:cNvSpPr>
+          <p:nvPr>
+            <p:ph type="ctrTitle"/>
+          </p:nvPr>
+        </p:nvSpPr>
+        <p:spPr>
+          <a:xfrm>
+            <a:off x="1530175" y="2078877"/>
+            <a:ext cx="6767100" cy="985745"/>
+          </a:xfrm>
+          <a:prstGeom prst="rect">
+            <a:avLst/>
+          </a:prstGeom>
+        </p:spPr>
+        <p:txBody>
+          <a:bodyPr spcFirstLastPara="1" wrap="square" lIns="91425" tIns="91425" rIns="91425" bIns="91425" anchor="ctr" anchorCtr="0">
+            <a:noAutofit/>
+          </a:bodyPr>
+          <a:lstStyle/>
+          <a:p>
+            <a:r>
+              <a:rPr lang="en-US" dirty="0"/>
+              <a:t>Separation of concerns </a:t>
+            </a:r>
+          </a:p>
+        </p:txBody>
+      </p:sp>
+      <p:sp>
+        <p:nvSpPr>
+          <p:cNvPr id="96" name="Google Shape;96;p15"/>
+          <p:cNvSpPr txBox="1"/>
+          <p:nvPr/>
+        </p:nvSpPr>
+        <p:spPr>
+          <a:xfrm>
+            <a:off x="526358" y="2279925"/>
+            <a:ext cx="802500" cy="589800"/>
+          </a:xfrm>
+          <a:prstGeom prst="rect">
+            <a:avLst/>
+          </a:prstGeom>
+          <a:noFill/>
+          <a:ln>
+            <a:noFill/>
+          </a:ln>
+        </p:spPr>
+        <p:txBody>
+          <a:bodyPr spcFirstLastPara="1" wrap="square" lIns="91425" tIns="91425" rIns="91425" bIns="91425" anchor="ctr" anchorCtr="0">
+            <a:noAutofit/>
+          </a:bodyPr>
+          <a:lstStyle/>
+          <a:p>
+            <a:pPr marL="0" lvl="0" indent="0" algn="ctr" rtl="0">
+              <a:spcBef>
+                <a:spcPts val="0"/>
+              </a:spcBef>
+              <a:spcAft>
+                <a:spcPts val="0"/>
+              </a:spcAft>
+              <a:buNone/>
+            </a:pPr>
+            <a:r>
+              <a:rPr lang="en" sz="3000" dirty="0">
+                <a:solidFill>
+                  <a:srgbClr val="2E3037"/>
+                </a:solidFill>
+                <a:latin typeface="Quicksand"/>
+                <a:ea typeface="Quicksand"/>
+                <a:cs typeface="Quicksand"/>
+                <a:sym typeface="Quicksand"/>
+              </a:rPr>
+              <a:t>2</a:t>
+            </a:r>
+          </a:p>
+        </p:txBody>
+      </p:sp>
+      <p:sp>
+        <p:nvSpPr>
+          <p:cNvPr id="97" name="Google Shape;97;p15"/>
+          <p:cNvSpPr txBox="1">
+            <a:spLocks noGrp="1"/>
+          </p:cNvSpPr>
+          <p:nvPr>
+            <p:ph type="sldNum" idx="12"/>
+          </p:nvPr>
+        </p:nvSpPr>
+        <p:spPr>
+          <a:xfrm>
+            <a:off x="8523157" y="4752131"/>
+            <a:ext cx="548700" cy="315300"/>
+          </a:xfrm>
+          <a:prstGeom prst="rect">
+            <a:avLst/>
+          </a:prstGeom>
+        </p:spPr>
+        <p:txBody>
+          <a:bodyPr spcFirstLastPara="1" wrap="square" lIns="91425" tIns="91425" rIns="91425" bIns="91425" anchor="t" anchorCtr="0">
+            <a:noAutofit/>
+          </a:bodyPr>
+          <a:lstStyle/>
+          <a:p>
+            <a:pPr marL="0" lvl="0" indent="0" algn="r" rtl="0">
+              <a:spcBef>
+                <a:spcPts val="0"/>
+              </a:spcBef>
+              <a:spcAft>
+                <a:spcPts val="0"/>
+              </a:spcAft>
+              <a:buNone/>
+            </a:pPr>
+            <a:fld id="{00000000-1234-1234-1234-123412341234}" type="slidenum">
+              <a:rPr lang="en"/>
+              <a:t>8</a:t>
+            </a:fld>
+            <a:endParaRPr/>
+          </a:p>
+        </p:txBody>
+      </p:sp>
+    </p:spTree>
+    <p:extLst>
+      <p:ext uri="{BB962C8B-B14F-4D97-AF65-F5344CB8AC3E}">
+        <p14:creationId xmlns:p14="http://schemas.microsoft.com/office/powerpoint/2010/main" val="2790692939"/>
+      </p:ext>
+    </p:extLst>
   </p:cSld>
   <p:clrMapOvr>
     <a:masterClrMapping/>
